--- a/photo-source/docker-file.pptx
+++ b/photo-source/docker-file.pptx
@@ -3309,6 +3309,48 @@
           </a:p>
         </p:txBody>
       </p:sp>
+      <p:sp>
+        <p:nvSpPr>
+          <p:cNvPr id="2" name="文本框 1"/>
+          <p:cNvSpPr txBox="1"/>
+          <p:nvPr/>
+        </p:nvSpPr>
+        <p:spPr>
+          <a:xfrm>
+            <a:off x="923290" y="3926205"/>
+            <a:ext cx="1826260" cy="922020"/>
+          </a:xfrm>
+          <a:prstGeom prst="rect">
+            <a:avLst/>
+          </a:prstGeom>
+          <a:noFill/>
+        </p:spPr>
+        <p:txBody>
+          <a:bodyPr wrap="square" rtlCol="0">
+            <a:spAutoFit/>
+          </a:bodyPr>
+          <a:p>
+            <a:pPr fontAlgn="auto">
+              <a:lnSpc>
+                <a:spcPct val="150000"/>
+              </a:lnSpc>
+            </a:pPr>
+            <a:r>
+              <a:rPr lang="zh-CN" altLang="en-US">
+                <a:solidFill>
+                  <a:srgbClr val="FF0000"/>
+                </a:solidFill>
+              </a:rPr>
+              <a:t>每层之间的文件读写权限是分开</a:t>
+            </a:r>
+            <a:endParaRPr lang="zh-CN" altLang="en-US">
+              <a:solidFill>
+                <a:srgbClr val="FF0000"/>
+              </a:solidFill>
+            </a:endParaRPr>
+          </a:p>
+        </p:txBody>
+      </p:sp>
     </p:spTree>
   </p:cSld>
   <p:clrMapOvr>
